--- a/Анализ продаж по кварталам.pptx
+++ b/Анализ продаж по кварталам.pptx
@@ -3098,7 +3098,11 @@
             <p:ph type="ctrTitle"/>
           </p:nvPr>
         </p:nvSpPr>
-        <p:spPr/>
+        <p:spPr>
+          <a:xfrm>
+            <a:ext cx="12801600" cy="0"/>
+          </a:xfrm>
+        </p:spPr>
         <p:txBody>
           <a:bodyPr/>
           <a:lstStyle/>
@@ -3109,7 +3113,7 @@
           </a:p>
           <a:p>
             <a:r>
-              <a:t>2022 - 2023</a:t>
+              <a:t>2022 - 2023г.</a:t>
             </a:r>
           </a:p>
         </p:txBody>
